--- a/01_파이썬 환경만들기.pptx
+++ b/01_파이썬 환경만들기.pptx
@@ -6,10 +6,11 @@
   </p:sldMasterIdLst>
   <p:sldIdLst>
     <p:sldId id="256" r:id="rId2"/>
-    <p:sldId id="257" r:id="rId3"/>
+    <p:sldId id="261" r:id="rId3"/>
     <p:sldId id="258" r:id="rId4"/>
-    <p:sldId id="259" r:id="rId5"/>
-    <p:sldId id="260" r:id="rId6"/>
+    <p:sldId id="257" r:id="rId5"/>
+    <p:sldId id="259" r:id="rId6"/>
+    <p:sldId id="260" r:id="rId7"/>
   </p:sldIdLst>
   <p:sldSz cx="12192000" cy="6858000"/>
   <p:notesSz cx="6858000" cy="9144000"/>
@@ -108,6 +109,11 @@
       </a:defRPr>
     </a:lvl9pPr>
   </p:defaultTextStyle>
+  <p:extLst>
+    <p:ext uri="{EFAFB233-063F-42B5-8137-9DF3F51BA10A}">
+      <p15:sldGuideLst xmlns:p15="http://schemas.microsoft.com/office/powerpoint/2012/main"/>
+    </p:ext>
+  </p:extLst>
 </p:presentation>
 </file>
 
@@ -258,7 +264,7 @@
           <a:p>
             <a:fld id="{5CC7EF60-BB37-4A22-8C42-E29475DA0CBD}" type="datetimeFigureOut">
               <a:rPr lang="ko-KR" altLang="en-US" smtClean="0"/>
-              <a:t>2020-08-13</a:t>
+              <a:t>2020-08-14</a:t>
             </a:fld>
             <a:endParaRPr lang="ko-KR" altLang="en-US"/>
           </a:p>
@@ -456,7 +462,7 @@
           <a:p>
             <a:fld id="{5CC7EF60-BB37-4A22-8C42-E29475DA0CBD}" type="datetimeFigureOut">
               <a:rPr lang="ko-KR" altLang="en-US" smtClean="0"/>
-              <a:t>2020-08-13</a:t>
+              <a:t>2020-08-14</a:t>
             </a:fld>
             <a:endParaRPr lang="ko-KR" altLang="en-US"/>
           </a:p>
@@ -664,7 +670,7 @@
           <a:p>
             <a:fld id="{5CC7EF60-BB37-4A22-8C42-E29475DA0CBD}" type="datetimeFigureOut">
               <a:rPr lang="ko-KR" altLang="en-US" smtClean="0"/>
-              <a:t>2020-08-13</a:t>
+              <a:t>2020-08-14</a:t>
             </a:fld>
             <a:endParaRPr lang="ko-KR" altLang="en-US"/>
           </a:p>
@@ -862,7 +868,7 @@
           <a:p>
             <a:fld id="{5CC7EF60-BB37-4A22-8C42-E29475DA0CBD}" type="datetimeFigureOut">
               <a:rPr lang="ko-KR" altLang="en-US" smtClean="0"/>
-              <a:t>2020-08-13</a:t>
+              <a:t>2020-08-14</a:t>
             </a:fld>
             <a:endParaRPr lang="ko-KR" altLang="en-US"/>
           </a:p>
@@ -1137,7 +1143,7 @@
           <a:p>
             <a:fld id="{5CC7EF60-BB37-4A22-8C42-E29475DA0CBD}" type="datetimeFigureOut">
               <a:rPr lang="ko-KR" altLang="en-US" smtClean="0"/>
-              <a:t>2020-08-13</a:t>
+              <a:t>2020-08-14</a:t>
             </a:fld>
             <a:endParaRPr lang="ko-KR" altLang="en-US"/>
           </a:p>
@@ -1402,7 +1408,7 @@
           <a:p>
             <a:fld id="{5CC7EF60-BB37-4A22-8C42-E29475DA0CBD}" type="datetimeFigureOut">
               <a:rPr lang="ko-KR" altLang="en-US" smtClean="0"/>
-              <a:t>2020-08-13</a:t>
+              <a:t>2020-08-14</a:t>
             </a:fld>
             <a:endParaRPr lang="ko-KR" altLang="en-US"/>
           </a:p>
@@ -1814,7 +1820,7 @@
           <a:p>
             <a:fld id="{5CC7EF60-BB37-4A22-8C42-E29475DA0CBD}" type="datetimeFigureOut">
               <a:rPr lang="ko-KR" altLang="en-US" smtClean="0"/>
-              <a:t>2020-08-13</a:t>
+              <a:t>2020-08-14</a:t>
             </a:fld>
             <a:endParaRPr lang="ko-KR" altLang="en-US"/>
           </a:p>
@@ -1955,7 +1961,7 @@
           <a:p>
             <a:fld id="{5CC7EF60-BB37-4A22-8C42-E29475DA0CBD}" type="datetimeFigureOut">
               <a:rPr lang="ko-KR" altLang="en-US" smtClean="0"/>
-              <a:t>2020-08-13</a:t>
+              <a:t>2020-08-14</a:t>
             </a:fld>
             <a:endParaRPr lang="ko-KR" altLang="en-US"/>
           </a:p>
@@ -2068,7 +2074,7 @@
           <a:p>
             <a:fld id="{5CC7EF60-BB37-4A22-8C42-E29475DA0CBD}" type="datetimeFigureOut">
               <a:rPr lang="ko-KR" altLang="en-US" smtClean="0"/>
-              <a:t>2020-08-13</a:t>
+              <a:t>2020-08-14</a:t>
             </a:fld>
             <a:endParaRPr lang="ko-KR" altLang="en-US"/>
           </a:p>
@@ -2379,7 +2385,7 @@
           <a:p>
             <a:fld id="{5CC7EF60-BB37-4A22-8C42-E29475DA0CBD}" type="datetimeFigureOut">
               <a:rPr lang="ko-KR" altLang="en-US" smtClean="0"/>
-              <a:t>2020-08-13</a:t>
+              <a:t>2020-08-14</a:t>
             </a:fld>
             <a:endParaRPr lang="ko-KR" altLang="en-US"/>
           </a:p>
@@ -2667,7 +2673,7 @@
           <a:p>
             <a:fld id="{5CC7EF60-BB37-4A22-8C42-E29475DA0CBD}" type="datetimeFigureOut">
               <a:rPr lang="ko-KR" altLang="en-US" smtClean="0"/>
-              <a:t>2020-08-13</a:t>
+              <a:t>2020-08-14</a:t>
             </a:fld>
             <a:endParaRPr lang="ko-KR" altLang="en-US"/>
           </a:p>
@@ -2908,7 +2914,7 @@
           <a:p>
             <a:fld id="{5CC7EF60-BB37-4A22-8C42-E29475DA0CBD}" type="datetimeFigureOut">
               <a:rPr lang="ko-KR" altLang="en-US" smtClean="0"/>
-              <a:t>2020-08-13</a:t>
+              <a:t>2020-08-14</a:t>
             </a:fld>
             <a:endParaRPr lang="ko-KR" altLang="en-US"/>
           </a:p>
@@ -3388,10 +3394,234 @@
   <p:clrMapOvr>
     <a:masterClrMapping/>
   </p:clrMapOvr>
+  <p:timing>
+    <p:tnLst>
+      <p:par>
+        <p:cTn id="1" dur="indefinite" restart="never" nodeType="tmRoot"/>
+      </p:par>
+    </p:tnLst>
+  </p:timing>
 </p:sld>
 </file>
 
 <file path=ppt/slides/slide2.xml><?xml version="1.0" encoding="utf-8"?>
+<p:sld xmlns:a="http://schemas.openxmlformats.org/drawingml/2006/main" xmlns:r="http://schemas.openxmlformats.org/officeDocument/2006/relationships" xmlns:p="http://schemas.openxmlformats.org/presentationml/2006/main">
+  <p:cSld>
+    <p:spTree>
+      <p:nvGrpSpPr>
+        <p:cNvPr id="1" name=""/>
+        <p:cNvGrpSpPr/>
+        <p:nvPr/>
+      </p:nvGrpSpPr>
+      <p:grpSpPr>
+        <a:xfrm>
+          <a:off x="0" y="0"/>
+          <a:ext cx="0" cy="0"/>
+          <a:chOff x="0" y="0"/>
+          <a:chExt cx="0" cy="0"/>
+        </a:xfrm>
+      </p:grpSpPr>
+      <p:sp>
+        <p:nvSpPr>
+          <p:cNvPr id="6" name="제목 1">
+            <a:extLst>
+              <a:ext uri="{FF2B5EF4-FFF2-40B4-BE49-F238E27FC236}">
+                <a16:creationId xmlns:a16="http://schemas.microsoft.com/office/drawing/2014/main" id="{E11FF711-5388-4C22-9EC9-B8A70E69C14D}"/>
+              </a:ext>
+            </a:extLst>
+          </p:cNvPr>
+          <p:cNvSpPr>
+            <a:spLocks noGrp="1"/>
+          </p:cNvSpPr>
+          <p:nvPr>
+            <p:ph type="title"/>
+          </p:nvPr>
+        </p:nvSpPr>
+        <p:spPr>
+          <a:xfrm>
+            <a:off x="838200" y="365125"/>
+            <a:ext cx="10515600" cy="1325563"/>
+          </a:xfrm>
+        </p:spPr>
+        <p:txBody>
+          <a:bodyPr/>
+          <a:lstStyle/>
+          <a:p>
+            <a:r>
+              <a:rPr lang="ko-KR" altLang="en-US" dirty="0"/>
+              <a:t>오늘 </a:t>
+            </a:r>
+            <a:r>
+              <a:rPr lang="ko-KR" altLang="en-US" dirty="0" smtClean="0"/>
+              <a:t>할 것</a:t>
+            </a:r>
+            <a:endParaRPr lang="ko-KR" altLang="en-US" dirty="0"/>
+          </a:p>
+        </p:txBody>
+      </p:sp>
+      <p:sp>
+        <p:nvSpPr>
+          <p:cNvPr id="7" name="내용 개체 틀 2">
+            <a:extLst>
+              <a:ext uri="{FF2B5EF4-FFF2-40B4-BE49-F238E27FC236}">
+                <a16:creationId xmlns:a16="http://schemas.microsoft.com/office/drawing/2014/main" id="{FE133FDD-1E0D-45B4-9D32-2D2D5CBD4360}"/>
+              </a:ext>
+            </a:extLst>
+          </p:cNvPr>
+          <p:cNvSpPr>
+            <a:spLocks noGrp="1"/>
+          </p:cNvSpPr>
+          <p:nvPr>
+            <p:ph idx="1"/>
+          </p:nvPr>
+        </p:nvSpPr>
+        <p:spPr>
+          <a:xfrm>
+            <a:off x="838200" y="1885783"/>
+            <a:ext cx="10515600" cy="4351338"/>
+          </a:xfrm>
+        </p:spPr>
+        <p:txBody>
+          <a:bodyPr/>
+          <a:lstStyle/>
+          <a:p>
+            <a:pPr marL="514350" indent="-514350">
+              <a:buAutoNum type="arabicPeriod"/>
+            </a:pPr>
+            <a:r>
+              <a:rPr lang="ko-KR" altLang="en-US" dirty="0"/>
+              <a:t>파이썬</a:t>
+            </a:r>
+            <a:r>
+              <a:rPr lang="en-US" altLang="ko-KR" dirty="0"/>
+              <a:t>, </a:t>
+            </a:r>
+            <a:r>
+              <a:rPr lang="ko-KR" altLang="en-US" dirty="0"/>
+              <a:t>코딩테스트와 비슷한 입력환경 만들기</a:t>
+            </a:r>
+            <a:endParaRPr lang="en-US" altLang="ko-KR" dirty="0"/>
+          </a:p>
+          <a:p>
+            <a:pPr marL="514350" indent="-514350">
+              <a:buAutoNum type="arabicPeriod"/>
+            </a:pPr>
+            <a:r>
+              <a:rPr lang="ko-KR" altLang="en-US" dirty="0"/>
+              <a:t>상황에 따른 문제에서 요구하는 입력</a:t>
+            </a:r>
+            <a:r>
+              <a:rPr lang="en-US" altLang="ko-KR" dirty="0"/>
+              <a:t>.</a:t>
+            </a:r>
+            <a:endParaRPr lang="ko-KR" altLang="en-US" dirty="0"/>
+          </a:p>
+        </p:txBody>
+      </p:sp>
+    </p:spTree>
+    <p:extLst>
+      <p:ext uri="{BB962C8B-B14F-4D97-AF65-F5344CB8AC3E}">
+        <p14:creationId xmlns:p14="http://schemas.microsoft.com/office/powerpoint/2010/main" val="3414640239"/>
+      </p:ext>
+    </p:extLst>
+  </p:cSld>
+  <p:clrMapOvr>
+    <a:masterClrMapping/>
+  </p:clrMapOvr>
+  <p:timing>
+    <p:tnLst>
+      <p:par>
+        <p:cTn id="1" dur="indefinite" restart="never" nodeType="tmRoot"/>
+      </p:par>
+    </p:tnLst>
+  </p:timing>
+</p:sld>
+</file>
+
+<file path=ppt/slides/slide3.xml><?xml version="1.0" encoding="utf-8"?>
+<p:sld xmlns:a="http://schemas.openxmlformats.org/drawingml/2006/main" xmlns:r="http://schemas.openxmlformats.org/officeDocument/2006/relationships" xmlns:p="http://schemas.openxmlformats.org/presentationml/2006/main">
+  <p:cSld>
+    <p:spTree>
+      <p:nvGrpSpPr>
+        <p:cNvPr id="1" name=""/>
+        <p:cNvGrpSpPr/>
+        <p:nvPr/>
+      </p:nvGrpSpPr>
+      <p:grpSpPr>
+        <a:xfrm>
+          <a:off x="0" y="0"/>
+          <a:ext cx="0" cy="0"/>
+          <a:chOff x="0" y="0"/>
+          <a:chExt cx="0" cy="0"/>
+        </a:xfrm>
+      </p:grpSpPr>
+      <p:sp>
+        <p:nvSpPr>
+          <p:cNvPr id="2" name="제목 1">
+            <a:extLst>
+              <a:ext uri="{FF2B5EF4-FFF2-40B4-BE49-F238E27FC236}">
+                <a16:creationId xmlns:a16="http://schemas.microsoft.com/office/drawing/2014/main" id="{87B41345-065C-4B58-A2EE-23E498DF60B1}"/>
+              </a:ext>
+            </a:extLst>
+          </p:cNvPr>
+          <p:cNvSpPr>
+            <a:spLocks noGrp="1"/>
+          </p:cNvSpPr>
+          <p:nvPr>
+            <p:ph type="title"/>
+          </p:nvPr>
+        </p:nvSpPr>
+        <p:spPr>
+          <a:xfrm>
+            <a:off x="858078" y="2798225"/>
+            <a:ext cx="10515600" cy="1325563"/>
+          </a:xfrm>
+        </p:spPr>
+        <p:txBody>
+          <a:bodyPr/>
+          <a:lstStyle/>
+          <a:p>
+            <a:r>
+              <a:rPr lang="ko-KR" altLang="en-US" dirty="0" err="1"/>
+              <a:t>파이썬</a:t>
+            </a:r>
+            <a:r>
+              <a:rPr lang="ko-KR" altLang="en-US" dirty="0"/>
+              <a:t> </a:t>
+            </a:r>
+            <a:r>
+              <a:rPr lang="ko-KR" altLang="en-US" dirty="0" smtClean="0"/>
+              <a:t>설치 </a:t>
+            </a:r>
+            <a:r>
+              <a:rPr lang="ko-KR" altLang="en-US" dirty="0" err="1" smtClean="0"/>
+              <a:t>자체적으로진행</a:t>
+            </a:r>
+            <a:endParaRPr lang="ko-KR" altLang="en-US" dirty="0"/>
+          </a:p>
+        </p:txBody>
+      </p:sp>
+    </p:spTree>
+    <p:extLst>
+      <p:ext uri="{BB962C8B-B14F-4D97-AF65-F5344CB8AC3E}">
+        <p14:creationId xmlns:p14="http://schemas.microsoft.com/office/powerpoint/2010/main" val="2616025384"/>
+      </p:ext>
+    </p:extLst>
+  </p:cSld>
+  <p:clrMapOvr>
+    <a:masterClrMapping/>
+  </p:clrMapOvr>
+  <p:timing>
+    <p:tnLst>
+      <p:par>
+        <p:cTn id="1" dur="indefinite" restart="never" nodeType="tmRoot"/>
+      </p:par>
+    </p:tnLst>
+  </p:timing>
+</p:sld>
+</file>
+
+<file path=ppt/slides/slide4.xml><?xml version="1.0" encoding="utf-8"?>
 <p:sld xmlns:a="http://schemas.openxmlformats.org/drawingml/2006/main" xmlns:r="http://schemas.openxmlformats.org/officeDocument/2006/relationships" xmlns:p="http://schemas.openxmlformats.org/presentationml/2006/main">
   <p:cSld>
     <p:spTree>
@@ -3505,229 +3735,13 @@
   <p:clrMapOvr>
     <a:masterClrMapping/>
   </p:clrMapOvr>
-</p:sld>
-</file>
-
-<file path=ppt/slides/slide3.xml><?xml version="1.0" encoding="utf-8"?>
-<p:sld xmlns:a="http://schemas.openxmlformats.org/drawingml/2006/main" xmlns:r="http://schemas.openxmlformats.org/officeDocument/2006/relationships" xmlns:p="http://schemas.openxmlformats.org/presentationml/2006/main">
-  <p:cSld>
-    <p:spTree>
-      <p:nvGrpSpPr>
-        <p:cNvPr id="1" name=""/>
-        <p:cNvGrpSpPr/>
-        <p:nvPr/>
-      </p:nvGrpSpPr>
-      <p:grpSpPr>
-        <a:xfrm>
-          <a:off x="0" y="0"/>
-          <a:ext cx="0" cy="0"/>
-          <a:chOff x="0" y="0"/>
-          <a:chExt cx="0" cy="0"/>
-        </a:xfrm>
-      </p:grpSpPr>
-      <p:sp>
-        <p:nvSpPr>
-          <p:cNvPr id="2" name="제목 1">
-            <a:extLst>
-              <a:ext uri="{FF2B5EF4-FFF2-40B4-BE49-F238E27FC236}">
-                <a16:creationId xmlns:a16="http://schemas.microsoft.com/office/drawing/2014/main" id="{87B41345-065C-4B58-A2EE-23E498DF60B1}"/>
-              </a:ext>
-            </a:extLst>
-          </p:cNvPr>
-          <p:cNvSpPr>
-            <a:spLocks noGrp="1"/>
-          </p:cNvSpPr>
-          <p:nvPr>
-            <p:ph type="title"/>
-          </p:nvPr>
-        </p:nvSpPr>
-        <p:spPr/>
-        <p:txBody>
-          <a:bodyPr/>
-          <a:lstStyle/>
-          <a:p>
-            <a:r>
-              <a:rPr lang="ko-KR" altLang="en-US" dirty="0"/>
-              <a:t>파이썬 설치는 알아서 하시고</a:t>
-            </a:r>
-          </a:p>
-        </p:txBody>
-      </p:sp>
-      <p:sp>
-        <p:nvSpPr>
-          <p:cNvPr id="3" name="내용 개체 틀 2">
-            <a:extLst>
-              <a:ext uri="{FF2B5EF4-FFF2-40B4-BE49-F238E27FC236}">
-                <a16:creationId xmlns:a16="http://schemas.microsoft.com/office/drawing/2014/main" id="{AA61C3A2-1A9E-404B-98C0-5C6550F76B9B}"/>
-              </a:ext>
-            </a:extLst>
-          </p:cNvPr>
-          <p:cNvSpPr>
-            <a:spLocks noGrp="1"/>
-          </p:cNvSpPr>
-          <p:nvPr>
-            <p:ph idx="1"/>
-          </p:nvPr>
-        </p:nvSpPr>
-        <p:spPr/>
-        <p:txBody>
-          <a:bodyPr/>
-          <a:lstStyle/>
-          <a:p>
-            <a:r>
-              <a:rPr lang="ko-KR" altLang="en-US" dirty="0"/>
-              <a:t>유투브 </a:t>
-            </a:r>
-            <a:r>
-              <a:rPr lang="ko-KR" altLang="en-US" dirty="0" err="1"/>
-              <a:t>링크던져주기</a:t>
-            </a:r>
-            <a:endParaRPr lang="ko-KR" altLang="en-US" dirty="0"/>
-          </a:p>
-        </p:txBody>
-      </p:sp>
-    </p:spTree>
-    <p:extLst>
-      <p:ext uri="{BB962C8B-B14F-4D97-AF65-F5344CB8AC3E}">
-        <p14:creationId xmlns:p14="http://schemas.microsoft.com/office/powerpoint/2010/main" val="2616025384"/>
-      </p:ext>
-    </p:extLst>
-  </p:cSld>
-  <p:clrMapOvr>
-    <a:masterClrMapping/>
-  </p:clrMapOvr>
-</p:sld>
-</file>
-
-<file path=ppt/slides/slide4.xml><?xml version="1.0" encoding="utf-8"?>
-<p:sld xmlns:a="http://schemas.openxmlformats.org/drawingml/2006/main" xmlns:r="http://schemas.openxmlformats.org/officeDocument/2006/relationships" xmlns:p="http://schemas.openxmlformats.org/presentationml/2006/main">
-  <p:cSld>
-    <p:spTree>
-      <p:nvGrpSpPr>
-        <p:cNvPr id="1" name=""/>
-        <p:cNvGrpSpPr/>
-        <p:nvPr/>
-      </p:nvGrpSpPr>
-      <p:grpSpPr>
-        <a:xfrm>
-          <a:off x="0" y="0"/>
-          <a:ext cx="0" cy="0"/>
-          <a:chOff x="0" y="0"/>
-          <a:chExt cx="0" cy="0"/>
-        </a:xfrm>
-      </p:grpSpPr>
-      <p:sp>
-        <p:nvSpPr>
-          <p:cNvPr id="2" name="제목 1">
-            <a:extLst>
-              <a:ext uri="{FF2B5EF4-FFF2-40B4-BE49-F238E27FC236}">
-                <a16:creationId xmlns:a16="http://schemas.microsoft.com/office/drawing/2014/main" id="{FB6E3D92-E4B6-463E-8609-8794780D7DE6}"/>
-              </a:ext>
-            </a:extLst>
-          </p:cNvPr>
-          <p:cNvSpPr>
-            <a:spLocks noGrp="1"/>
-          </p:cNvSpPr>
-          <p:nvPr>
-            <p:ph type="title"/>
-          </p:nvPr>
-        </p:nvSpPr>
-        <p:spPr/>
-        <p:txBody>
-          <a:bodyPr/>
-          <a:lstStyle/>
-          <a:p>
-            <a:r>
-              <a:rPr lang="ko-KR" altLang="en-US" dirty="0"/>
-              <a:t>상황에 따른 </a:t>
-            </a:r>
-            <a:r>
-              <a:rPr lang="en-US" altLang="ko-KR" dirty="0"/>
-              <a:t>input()</a:t>
-            </a:r>
-            <a:r>
-              <a:rPr lang="ko-KR" altLang="en-US" dirty="0"/>
-              <a:t>입력방법</a:t>
-            </a:r>
-          </a:p>
-        </p:txBody>
-      </p:sp>
-      <p:sp>
-        <p:nvSpPr>
-          <p:cNvPr id="3" name="내용 개체 틀 2">
-            <a:extLst>
-              <a:ext uri="{FF2B5EF4-FFF2-40B4-BE49-F238E27FC236}">
-                <a16:creationId xmlns:a16="http://schemas.microsoft.com/office/drawing/2014/main" id="{95B4F226-4F2B-4FEB-BE9C-67693DBFE86C}"/>
-              </a:ext>
-            </a:extLst>
-          </p:cNvPr>
-          <p:cNvSpPr>
-            <a:spLocks noGrp="1"/>
-          </p:cNvSpPr>
-          <p:nvPr>
-            <p:ph idx="1"/>
-          </p:nvPr>
-        </p:nvSpPr>
-        <p:spPr>
-          <a:xfrm>
-            <a:off x="838200" y="1885783"/>
-            <a:ext cx="10515600" cy="4351338"/>
-          </a:xfrm>
-        </p:spPr>
-        <p:txBody>
-          <a:bodyPr/>
-          <a:lstStyle/>
-          <a:p>
-            <a:pPr marL="514350" indent="-514350">
-              <a:buAutoNum type="arabicPeriod"/>
-            </a:pPr>
-            <a:r>
-              <a:rPr lang="ko-KR" altLang="en-US" dirty="0"/>
-              <a:t>한 줄에 하나 입력 받기</a:t>
-            </a:r>
-            <a:endParaRPr lang="en-US" altLang="ko-KR" dirty="0"/>
-          </a:p>
-          <a:p>
-            <a:pPr marL="514350" indent="-514350">
-              <a:buAutoNum type="arabicPeriod"/>
-            </a:pPr>
-            <a:r>
-              <a:rPr lang="ko-KR" altLang="en-US" dirty="0"/>
-              <a:t>한 줄에 두개 입력 받기</a:t>
-            </a:r>
-            <a:endParaRPr lang="en-US" altLang="ko-KR" dirty="0"/>
-          </a:p>
-          <a:p>
-            <a:pPr marL="514350" indent="-514350">
-              <a:buAutoNum type="arabicPeriod"/>
-            </a:pPr>
-            <a:r>
-              <a:rPr lang="ko-KR" altLang="en-US" dirty="0"/>
-              <a:t>한 줄에 여러 개 입력 받기</a:t>
-            </a:r>
-            <a:endParaRPr lang="en-US" altLang="ko-KR" dirty="0"/>
-          </a:p>
-          <a:p>
-            <a:pPr marL="514350" indent="-514350">
-              <a:buAutoNum type="arabicPeriod"/>
-            </a:pPr>
-            <a:r>
-              <a:rPr lang="ko-KR" altLang="en-US" dirty="0"/>
-              <a:t>여러 줄에 하나 또는 여러 개 입력 받기</a:t>
-            </a:r>
-          </a:p>
-        </p:txBody>
-      </p:sp>
-    </p:spTree>
-    <p:extLst>
-      <p:ext uri="{BB962C8B-B14F-4D97-AF65-F5344CB8AC3E}">
-        <p14:creationId xmlns:p14="http://schemas.microsoft.com/office/powerpoint/2010/main" val="4142366829"/>
-      </p:ext>
-    </p:extLst>
-  </p:cSld>
-  <p:clrMapOvr>
-    <a:masterClrMapping/>
-  </p:clrMapOvr>
+  <p:timing>
+    <p:tnLst>
+      <p:par>
+        <p:cTn id="1" dur="indefinite" restart="never" nodeType="tmRoot"/>
+      </p:par>
+    </p:tnLst>
+  </p:timing>
 </p:sld>
 </file>
 
@@ -3750,6 +3764,145 @@
       </p:grpSpPr>
       <p:sp>
         <p:nvSpPr>
+          <p:cNvPr id="2" name="제목 1">
+            <a:extLst>
+              <a:ext uri="{FF2B5EF4-FFF2-40B4-BE49-F238E27FC236}">
+                <a16:creationId xmlns:a16="http://schemas.microsoft.com/office/drawing/2014/main" id="{FB6E3D92-E4B6-463E-8609-8794780D7DE6}"/>
+              </a:ext>
+            </a:extLst>
+          </p:cNvPr>
+          <p:cNvSpPr>
+            <a:spLocks noGrp="1"/>
+          </p:cNvSpPr>
+          <p:nvPr>
+            <p:ph type="title"/>
+          </p:nvPr>
+        </p:nvSpPr>
+        <p:spPr/>
+        <p:txBody>
+          <a:bodyPr/>
+          <a:lstStyle/>
+          <a:p>
+            <a:r>
+              <a:rPr lang="ko-KR" altLang="en-US" dirty="0"/>
+              <a:t>상황에 따른 </a:t>
+            </a:r>
+            <a:r>
+              <a:rPr lang="en-US" altLang="ko-KR" dirty="0"/>
+              <a:t>input()</a:t>
+            </a:r>
+            <a:r>
+              <a:rPr lang="ko-KR" altLang="en-US" dirty="0"/>
+              <a:t>입력방법</a:t>
+            </a:r>
+          </a:p>
+        </p:txBody>
+      </p:sp>
+      <p:sp>
+        <p:nvSpPr>
+          <p:cNvPr id="3" name="내용 개체 틀 2">
+            <a:extLst>
+              <a:ext uri="{FF2B5EF4-FFF2-40B4-BE49-F238E27FC236}">
+                <a16:creationId xmlns:a16="http://schemas.microsoft.com/office/drawing/2014/main" id="{95B4F226-4F2B-4FEB-BE9C-67693DBFE86C}"/>
+              </a:ext>
+            </a:extLst>
+          </p:cNvPr>
+          <p:cNvSpPr>
+            <a:spLocks noGrp="1"/>
+          </p:cNvSpPr>
+          <p:nvPr>
+            <p:ph idx="1"/>
+          </p:nvPr>
+        </p:nvSpPr>
+        <p:spPr>
+          <a:xfrm>
+            <a:off x="838200" y="1885783"/>
+            <a:ext cx="10515600" cy="4351338"/>
+          </a:xfrm>
+        </p:spPr>
+        <p:txBody>
+          <a:bodyPr/>
+          <a:lstStyle/>
+          <a:p>
+            <a:pPr marL="514350" indent="-514350">
+              <a:buAutoNum type="arabicPeriod"/>
+            </a:pPr>
+            <a:r>
+              <a:rPr lang="ko-KR" altLang="en-US" dirty="0"/>
+              <a:t>한 줄에 하나 입력 받기</a:t>
+            </a:r>
+            <a:endParaRPr lang="en-US" altLang="ko-KR" dirty="0"/>
+          </a:p>
+          <a:p>
+            <a:pPr marL="514350" indent="-514350">
+              <a:buAutoNum type="arabicPeriod"/>
+            </a:pPr>
+            <a:r>
+              <a:rPr lang="ko-KR" altLang="en-US" dirty="0"/>
+              <a:t>한 줄에 두개 입력 받기</a:t>
+            </a:r>
+            <a:endParaRPr lang="en-US" altLang="ko-KR" dirty="0"/>
+          </a:p>
+          <a:p>
+            <a:pPr marL="514350" indent="-514350">
+              <a:buAutoNum type="arabicPeriod"/>
+            </a:pPr>
+            <a:r>
+              <a:rPr lang="ko-KR" altLang="en-US" dirty="0"/>
+              <a:t>한 줄에 여러 개 입력 받기</a:t>
+            </a:r>
+            <a:endParaRPr lang="en-US" altLang="ko-KR" dirty="0"/>
+          </a:p>
+          <a:p>
+            <a:pPr marL="514350" indent="-514350">
+              <a:buAutoNum type="arabicPeriod"/>
+            </a:pPr>
+            <a:r>
+              <a:rPr lang="ko-KR" altLang="en-US" dirty="0"/>
+              <a:t>여러 줄에 하나 또는 여러 개 입력 받기</a:t>
+            </a:r>
+          </a:p>
+        </p:txBody>
+      </p:sp>
+    </p:spTree>
+    <p:extLst>
+      <p:ext uri="{BB962C8B-B14F-4D97-AF65-F5344CB8AC3E}">
+        <p14:creationId xmlns:p14="http://schemas.microsoft.com/office/powerpoint/2010/main" val="4142366829"/>
+      </p:ext>
+    </p:extLst>
+  </p:cSld>
+  <p:clrMapOvr>
+    <a:masterClrMapping/>
+  </p:clrMapOvr>
+  <p:timing>
+    <p:tnLst>
+      <p:par>
+        <p:cTn id="1" dur="indefinite" restart="never" nodeType="tmRoot"/>
+      </p:par>
+    </p:tnLst>
+  </p:timing>
+</p:sld>
+</file>
+
+<file path=ppt/slides/slide6.xml><?xml version="1.0" encoding="utf-8"?>
+<p:sld xmlns:a="http://schemas.openxmlformats.org/drawingml/2006/main" xmlns:r="http://schemas.openxmlformats.org/officeDocument/2006/relationships" xmlns:p="http://schemas.openxmlformats.org/presentationml/2006/main">
+  <p:cSld>
+    <p:spTree>
+      <p:nvGrpSpPr>
+        <p:cNvPr id="1" name=""/>
+        <p:cNvGrpSpPr/>
+        <p:nvPr/>
+      </p:nvGrpSpPr>
+      <p:grpSpPr>
+        <a:xfrm>
+          <a:off x="0" y="0"/>
+          <a:ext cx="0" cy="0"/>
+          <a:chOff x="0" y="0"/>
+          <a:chExt cx="0" cy="0"/>
+        </a:xfrm>
+      </p:grpSpPr>
+      <p:sp>
+        <p:nvSpPr>
           <p:cNvPr id="6" name="제목 1">
             <a:extLst>
               <a:ext uri="{FF2B5EF4-FFF2-40B4-BE49-F238E27FC236}">
@@ -3850,6 +4003,13 @@
   <p:clrMapOvr>
     <a:masterClrMapping/>
   </p:clrMapOvr>
+  <p:timing>
+    <p:tnLst>
+      <p:par>
+        <p:cTn id="1" dur="indefinite" restart="never" nodeType="tmRoot"/>
+      </p:par>
+    </p:tnLst>
+  </p:timing>
 </p:sld>
 </file>
 
